--- a/ModelBasedAnalysis/Image/WholeWorkflow.pptx
+++ b/ModelBasedAnalysis/Image/WholeWorkflow.pptx
@@ -154,7 +154,7 @@
           </a:lstStyle>
           <a:p>
             <a:r>
-              <a:rPr lang="zh-CN" altLang="en-US" smtClean="0"/>
+              <a:rPr lang="zh-CN" altLang="en-US"/>
               <a:t>单击此处编辑母版标题样式</a:t>
             </a:r>
             <a:endParaRPr lang="en-US" dirty="0"/>
@@ -219,7 +219,7 @@
           </a:lstStyle>
           <a:p>
             <a:r>
-              <a:rPr lang="zh-CN" altLang="en-US" smtClean="0"/>
+              <a:rPr lang="zh-CN" altLang="en-US"/>
               <a:t>单击此处编辑母版副标题样式</a:t>
             </a:r>
             <a:endParaRPr lang="en-US" dirty="0"/>
@@ -243,7 +243,7 @@
           <a:p>
             <a:fld id="{0877E658-E5F7-4D76-9220-E5348CB8540E}" type="datetimeFigureOut">
               <a:rPr lang="zh-CN" altLang="en-US" smtClean="0"/>
-              <a:t>2018/10/16</a:t>
+              <a:t>2018/12/29</a:t>
             </a:fld>
             <a:endParaRPr lang="zh-CN" altLang="en-US"/>
           </a:p>
@@ -337,7 +337,7 @@
           <a:lstStyle/>
           <a:p>
             <a:r>
-              <a:rPr lang="zh-CN" altLang="en-US" smtClean="0"/>
+              <a:rPr lang="zh-CN" altLang="en-US"/>
               <a:t>单击此处编辑母版标题样式</a:t>
             </a:r>
             <a:endParaRPr lang="en-US" dirty="0"/>
@@ -361,35 +361,35 @@
           <a:p>
             <a:pPr lvl="0"/>
             <a:r>
-              <a:rPr lang="zh-CN" altLang="en-US" smtClean="0"/>
+              <a:rPr lang="zh-CN" altLang="en-US"/>
               <a:t>单击此处编辑母版文本样式</a:t>
             </a:r>
           </a:p>
           <a:p>
             <a:pPr lvl="1"/>
             <a:r>
-              <a:rPr lang="zh-CN" altLang="en-US" smtClean="0"/>
+              <a:rPr lang="zh-CN" altLang="en-US"/>
               <a:t>第二级</a:t>
             </a:r>
           </a:p>
           <a:p>
             <a:pPr lvl="2"/>
             <a:r>
-              <a:rPr lang="zh-CN" altLang="en-US" smtClean="0"/>
+              <a:rPr lang="zh-CN" altLang="en-US"/>
               <a:t>第三级</a:t>
             </a:r>
           </a:p>
           <a:p>
             <a:pPr lvl="3"/>
             <a:r>
-              <a:rPr lang="zh-CN" altLang="en-US" smtClean="0"/>
+              <a:rPr lang="zh-CN" altLang="en-US"/>
               <a:t>第四级</a:t>
             </a:r>
           </a:p>
           <a:p>
             <a:pPr lvl="4"/>
             <a:r>
-              <a:rPr lang="zh-CN" altLang="en-US" smtClean="0"/>
+              <a:rPr lang="zh-CN" altLang="en-US"/>
               <a:t>第五级</a:t>
             </a:r>
             <a:endParaRPr lang="en-US" dirty="0"/>
@@ -413,7 +413,7 @@
           <a:p>
             <a:fld id="{0877E658-E5F7-4D76-9220-E5348CB8540E}" type="datetimeFigureOut">
               <a:rPr lang="zh-CN" altLang="en-US" smtClean="0"/>
-              <a:t>2018/10/16</a:t>
+              <a:t>2018/12/29</a:t>
             </a:fld>
             <a:endParaRPr lang="zh-CN" altLang="en-US"/>
           </a:p>
@@ -512,7 +512,7 @@
           <a:lstStyle/>
           <a:p>
             <a:r>
-              <a:rPr lang="zh-CN" altLang="en-US" smtClean="0"/>
+              <a:rPr lang="zh-CN" altLang="en-US"/>
               <a:t>单击此处编辑母版标题样式</a:t>
             </a:r>
             <a:endParaRPr lang="en-US" dirty="0"/>
@@ -541,35 +541,35 @@
           <a:p>
             <a:pPr lvl="0"/>
             <a:r>
-              <a:rPr lang="zh-CN" altLang="en-US" smtClean="0"/>
+              <a:rPr lang="zh-CN" altLang="en-US"/>
               <a:t>单击此处编辑母版文本样式</a:t>
             </a:r>
           </a:p>
           <a:p>
             <a:pPr lvl="1"/>
             <a:r>
-              <a:rPr lang="zh-CN" altLang="en-US" smtClean="0"/>
+              <a:rPr lang="zh-CN" altLang="en-US"/>
               <a:t>第二级</a:t>
             </a:r>
           </a:p>
           <a:p>
             <a:pPr lvl="2"/>
             <a:r>
-              <a:rPr lang="zh-CN" altLang="en-US" smtClean="0"/>
+              <a:rPr lang="zh-CN" altLang="en-US"/>
               <a:t>第三级</a:t>
             </a:r>
           </a:p>
           <a:p>
             <a:pPr lvl="3"/>
             <a:r>
-              <a:rPr lang="zh-CN" altLang="en-US" smtClean="0"/>
+              <a:rPr lang="zh-CN" altLang="en-US"/>
               <a:t>第四级</a:t>
             </a:r>
           </a:p>
           <a:p>
             <a:pPr lvl="4"/>
             <a:r>
-              <a:rPr lang="zh-CN" altLang="en-US" smtClean="0"/>
+              <a:rPr lang="zh-CN" altLang="en-US"/>
               <a:t>第五级</a:t>
             </a:r>
             <a:endParaRPr lang="en-US" dirty="0"/>
@@ -593,7 +593,7 @@
           <a:p>
             <a:fld id="{0877E658-E5F7-4D76-9220-E5348CB8540E}" type="datetimeFigureOut">
               <a:rPr lang="zh-CN" altLang="en-US" smtClean="0"/>
-              <a:t>2018/10/16</a:t>
+              <a:t>2018/12/29</a:t>
             </a:fld>
             <a:endParaRPr lang="zh-CN" altLang="en-US"/>
           </a:p>
@@ -687,7 +687,7 @@
           <a:lstStyle/>
           <a:p>
             <a:r>
-              <a:rPr lang="zh-CN" altLang="en-US" smtClean="0"/>
+              <a:rPr lang="zh-CN" altLang="en-US"/>
               <a:t>单击此处编辑母版标题样式</a:t>
             </a:r>
             <a:endParaRPr lang="en-US" dirty="0"/>
@@ -711,35 +711,35 @@
           <a:p>
             <a:pPr lvl="0"/>
             <a:r>
-              <a:rPr lang="zh-CN" altLang="en-US" smtClean="0"/>
+              <a:rPr lang="zh-CN" altLang="en-US"/>
               <a:t>单击此处编辑母版文本样式</a:t>
             </a:r>
           </a:p>
           <a:p>
             <a:pPr lvl="1"/>
             <a:r>
-              <a:rPr lang="zh-CN" altLang="en-US" smtClean="0"/>
+              <a:rPr lang="zh-CN" altLang="en-US"/>
               <a:t>第二级</a:t>
             </a:r>
           </a:p>
           <a:p>
             <a:pPr lvl="2"/>
             <a:r>
-              <a:rPr lang="zh-CN" altLang="en-US" smtClean="0"/>
+              <a:rPr lang="zh-CN" altLang="en-US"/>
               <a:t>第三级</a:t>
             </a:r>
           </a:p>
           <a:p>
             <a:pPr lvl="3"/>
             <a:r>
-              <a:rPr lang="zh-CN" altLang="en-US" smtClean="0"/>
+              <a:rPr lang="zh-CN" altLang="en-US"/>
               <a:t>第四级</a:t>
             </a:r>
           </a:p>
           <a:p>
             <a:pPr lvl="4"/>
             <a:r>
-              <a:rPr lang="zh-CN" altLang="en-US" smtClean="0"/>
+              <a:rPr lang="zh-CN" altLang="en-US"/>
               <a:t>第五级</a:t>
             </a:r>
             <a:endParaRPr lang="en-US" dirty="0"/>
@@ -763,7 +763,7 @@
           <a:p>
             <a:fld id="{0877E658-E5F7-4D76-9220-E5348CB8540E}" type="datetimeFigureOut">
               <a:rPr lang="zh-CN" altLang="en-US" smtClean="0"/>
-              <a:t>2018/10/16</a:t>
+              <a:t>2018/12/29</a:t>
             </a:fld>
             <a:endParaRPr lang="zh-CN" altLang="en-US"/>
           </a:p>
@@ -866,7 +866,7 @@
           </a:lstStyle>
           <a:p>
             <a:r>
-              <a:rPr lang="zh-CN" altLang="en-US" smtClean="0"/>
+              <a:rPr lang="zh-CN" altLang="en-US"/>
               <a:t>单击此处编辑母版标题样式</a:t>
             </a:r>
             <a:endParaRPr lang="en-US" dirty="0"/>
@@ -984,7 +984,7 @@
           <a:p>
             <a:pPr lvl="0"/>
             <a:r>
-              <a:rPr lang="zh-CN" altLang="en-US" smtClean="0"/>
+              <a:rPr lang="zh-CN" altLang="en-US"/>
               <a:t>单击此处编辑母版文本样式</a:t>
             </a:r>
           </a:p>
@@ -1007,7 +1007,7 @@
           <a:p>
             <a:fld id="{0877E658-E5F7-4D76-9220-E5348CB8540E}" type="datetimeFigureOut">
               <a:rPr lang="zh-CN" altLang="en-US" smtClean="0"/>
-              <a:t>2018/10/16</a:t>
+              <a:t>2018/12/29</a:t>
             </a:fld>
             <a:endParaRPr lang="zh-CN" altLang="en-US"/>
           </a:p>
@@ -1101,7 +1101,7 @@
           <a:lstStyle/>
           <a:p>
             <a:r>
-              <a:rPr lang="zh-CN" altLang="en-US" smtClean="0"/>
+              <a:rPr lang="zh-CN" altLang="en-US"/>
               <a:t>单击此处编辑母版标题样式</a:t>
             </a:r>
             <a:endParaRPr lang="en-US" dirty="0"/>
@@ -1130,35 +1130,35 @@
           <a:p>
             <a:pPr lvl="0"/>
             <a:r>
-              <a:rPr lang="zh-CN" altLang="en-US" smtClean="0"/>
+              <a:rPr lang="zh-CN" altLang="en-US"/>
               <a:t>单击此处编辑母版文本样式</a:t>
             </a:r>
           </a:p>
           <a:p>
             <a:pPr lvl="1"/>
             <a:r>
-              <a:rPr lang="zh-CN" altLang="en-US" smtClean="0"/>
+              <a:rPr lang="zh-CN" altLang="en-US"/>
               <a:t>第二级</a:t>
             </a:r>
           </a:p>
           <a:p>
             <a:pPr lvl="2"/>
             <a:r>
-              <a:rPr lang="zh-CN" altLang="en-US" smtClean="0"/>
+              <a:rPr lang="zh-CN" altLang="en-US"/>
               <a:t>第三级</a:t>
             </a:r>
           </a:p>
           <a:p>
             <a:pPr lvl="3"/>
             <a:r>
-              <a:rPr lang="zh-CN" altLang="en-US" smtClean="0"/>
+              <a:rPr lang="zh-CN" altLang="en-US"/>
               <a:t>第四级</a:t>
             </a:r>
           </a:p>
           <a:p>
             <a:pPr lvl="4"/>
             <a:r>
-              <a:rPr lang="zh-CN" altLang="en-US" smtClean="0"/>
+              <a:rPr lang="zh-CN" altLang="en-US"/>
               <a:t>第五级</a:t>
             </a:r>
             <a:endParaRPr lang="en-US" dirty="0"/>
@@ -1187,35 +1187,35 @@
           <a:p>
             <a:pPr lvl="0"/>
             <a:r>
-              <a:rPr lang="zh-CN" altLang="en-US" smtClean="0"/>
+              <a:rPr lang="zh-CN" altLang="en-US"/>
               <a:t>单击此处编辑母版文本样式</a:t>
             </a:r>
           </a:p>
           <a:p>
             <a:pPr lvl="1"/>
             <a:r>
-              <a:rPr lang="zh-CN" altLang="en-US" smtClean="0"/>
+              <a:rPr lang="zh-CN" altLang="en-US"/>
               <a:t>第二级</a:t>
             </a:r>
           </a:p>
           <a:p>
             <a:pPr lvl="2"/>
             <a:r>
-              <a:rPr lang="zh-CN" altLang="en-US" smtClean="0"/>
+              <a:rPr lang="zh-CN" altLang="en-US"/>
               <a:t>第三级</a:t>
             </a:r>
           </a:p>
           <a:p>
             <a:pPr lvl="3"/>
             <a:r>
-              <a:rPr lang="zh-CN" altLang="en-US" smtClean="0"/>
+              <a:rPr lang="zh-CN" altLang="en-US"/>
               <a:t>第四级</a:t>
             </a:r>
           </a:p>
           <a:p>
             <a:pPr lvl="4"/>
             <a:r>
-              <a:rPr lang="zh-CN" altLang="en-US" smtClean="0"/>
+              <a:rPr lang="zh-CN" altLang="en-US"/>
               <a:t>第五级</a:t>
             </a:r>
             <a:endParaRPr lang="en-US" dirty="0"/>
@@ -1239,7 +1239,7 @@
           <a:p>
             <a:fld id="{0877E658-E5F7-4D76-9220-E5348CB8540E}" type="datetimeFigureOut">
               <a:rPr lang="zh-CN" altLang="en-US" smtClean="0"/>
-              <a:t>2018/10/16</a:t>
+              <a:t>2018/12/29</a:t>
             </a:fld>
             <a:endParaRPr lang="zh-CN" altLang="en-US"/>
           </a:p>
@@ -1338,7 +1338,7 @@
           <a:lstStyle/>
           <a:p>
             <a:r>
-              <a:rPr lang="zh-CN" altLang="en-US" smtClean="0"/>
+              <a:rPr lang="zh-CN" altLang="en-US"/>
               <a:t>单击此处编辑母版标题样式</a:t>
             </a:r>
             <a:endParaRPr lang="en-US" dirty="0"/>
@@ -1404,7 +1404,7 @@
           <a:p>
             <a:pPr lvl="0"/>
             <a:r>
-              <a:rPr lang="zh-CN" altLang="en-US" smtClean="0"/>
+              <a:rPr lang="zh-CN" altLang="en-US"/>
               <a:t>单击此处编辑母版文本样式</a:t>
             </a:r>
           </a:p>
@@ -1432,35 +1432,35 @@
           <a:p>
             <a:pPr lvl="0"/>
             <a:r>
-              <a:rPr lang="zh-CN" altLang="en-US" smtClean="0"/>
+              <a:rPr lang="zh-CN" altLang="en-US"/>
               <a:t>单击此处编辑母版文本样式</a:t>
             </a:r>
           </a:p>
           <a:p>
             <a:pPr lvl="1"/>
             <a:r>
-              <a:rPr lang="zh-CN" altLang="en-US" smtClean="0"/>
+              <a:rPr lang="zh-CN" altLang="en-US"/>
               <a:t>第二级</a:t>
             </a:r>
           </a:p>
           <a:p>
             <a:pPr lvl="2"/>
             <a:r>
-              <a:rPr lang="zh-CN" altLang="en-US" smtClean="0"/>
+              <a:rPr lang="zh-CN" altLang="en-US"/>
               <a:t>第三级</a:t>
             </a:r>
           </a:p>
           <a:p>
             <a:pPr lvl="3"/>
             <a:r>
-              <a:rPr lang="zh-CN" altLang="en-US" smtClean="0"/>
+              <a:rPr lang="zh-CN" altLang="en-US"/>
               <a:t>第四级</a:t>
             </a:r>
           </a:p>
           <a:p>
             <a:pPr lvl="4"/>
             <a:r>
-              <a:rPr lang="zh-CN" altLang="en-US" smtClean="0"/>
+              <a:rPr lang="zh-CN" altLang="en-US"/>
               <a:t>第五级</a:t>
             </a:r>
             <a:endParaRPr lang="en-US" dirty="0"/>
@@ -1526,7 +1526,7 @@
           <a:p>
             <a:pPr lvl="0"/>
             <a:r>
-              <a:rPr lang="zh-CN" altLang="en-US" smtClean="0"/>
+              <a:rPr lang="zh-CN" altLang="en-US"/>
               <a:t>单击此处编辑母版文本样式</a:t>
             </a:r>
           </a:p>
@@ -1554,35 +1554,35 @@
           <a:p>
             <a:pPr lvl="0"/>
             <a:r>
-              <a:rPr lang="zh-CN" altLang="en-US" smtClean="0"/>
+              <a:rPr lang="zh-CN" altLang="en-US"/>
               <a:t>单击此处编辑母版文本样式</a:t>
             </a:r>
           </a:p>
           <a:p>
             <a:pPr lvl="1"/>
             <a:r>
-              <a:rPr lang="zh-CN" altLang="en-US" smtClean="0"/>
+              <a:rPr lang="zh-CN" altLang="en-US"/>
               <a:t>第二级</a:t>
             </a:r>
           </a:p>
           <a:p>
             <a:pPr lvl="2"/>
             <a:r>
-              <a:rPr lang="zh-CN" altLang="en-US" smtClean="0"/>
+              <a:rPr lang="zh-CN" altLang="en-US"/>
               <a:t>第三级</a:t>
             </a:r>
           </a:p>
           <a:p>
             <a:pPr lvl="3"/>
             <a:r>
-              <a:rPr lang="zh-CN" altLang="en-US" smtClean="0"/>
+              <a:rPr lang="zh-CN" altLang="en-US"/>
               <a:t>第四级</a:t>
             </a:r>
           </a:p>
           <a:p>
             <a:pPr lvl="4"/>
             <a:r>
-              <a:rPr lang="zh-CN" altLang="en-US" smtClean="0"/>
+              <a:rPr lang="zh-CN" altLang="en-US"/>
               <a:t>第五级</a:t>
             </a:r>
             <a:endParaRPr lang="en-US" dirty="0"/>
@@ -1606,7 +1606,7 @@
           <a:p>
             <a:fld id="{0877E658-E5F7-4D76-9220-E5348CB8540E}" type="datetimeFigureOut">
               <a:rPr lang="zh-CN" altLang="en-US" smtClean="0"/>
-              <a:t>2018/10/16</a:t>
+              <a:t>2018/12/29</a:t>
             </a:fld>
             <a:endParaRPr lang="zh-CN" altLang="en-US"/>
           </a:p>
@@ -1700,7 +1700,7 @@
           <a:lstStyle/>
           <a:p>
             <a:r>
-              <a:rPr lang="zh-CN" altLang="en-US" smtClean="0"/>
+              <a:rPr lang="zh-CN" altLang="en-US"/>
               <a:t>单击此处编辑母版标题样式</a:t>
             </a:r>
             <a:endParaRPr lang="en-US" dirty="0"/>
@@ -1724,7 +1724,7 @@
           <a:p>
             <a:fld id="{0877E658-E5F7-4D76-9220-E5348CB8540E}" type="datetimeFigureOut">
               <a:rPr lang="zh-CN" altLang="en-US" smtClean="0"/>
-              <a:t>2018/10/16</a:t>
+              <a:t>2018/12/29</a:t>
             </a:fld>
             <a:endParaRPr lang="zh-CN" altLang="en-US"/>
           </a:p>
@@ -1819,7 +1819,7 @@
           <a:p>
             <a:fld id="{0877E658-E5F7-4D76-9220-E5348CB8540E}" type="datetimeFigureOut">
               <a:rPr lang="zh-CN" altLang="en-US" smtClean="0"/>
-              <a:t>2018/10/16</a:t>
+              <a:t>2018/12/29</a:t>
             </a:fld>
             <a:endParaRPr lang="zh-CN" altLang="en-US"/>
           </a:p>
@@ -1922,7 +1922,7 @@
           </a:lstStyle>
           <a:p>
             <a:r>
-              <a:rPr lang="zh-CN" altLang="en-US" smtClean="0"/>
+              <a:rPr lang="zh-CN" altLang="en-US"/>
               <a:t>单击此处编辑母版标题样式</a:t>
             </a:r>
             <a:endParaRPr lang="en-US" dirty="0"/>
@@ -1979,35 +1979,35 @@
           <a:p>
             <a:pPr lvl="0"/>
             <a:r>
-              <a:rPr lang="zh-CN" altLang="en-US" smtClean="0"/>
+              <a:rPr lang="zh-CN" altLang="en-US"/>
               <a:t>单击此处编辑母版文本样式</a:t>
             </a:r>
           </a:p>
           <a:p>
             <a:pPr lvl="1"/>
             <a:r>
-              <a:rPr lang="zh-CN" altLang="en-US" smtClean="0"/>
+              <a:rPr lang="zh-CN" altLang="en-US"/>
               <a:t>第二级</a:t>
             </a:r>
           </a:p>
           <a:p>
             <a:pPr lvl="2"/>
             <a:r>
-              <a:rPr lang="zh-CN" altLang="en-US" smtClean="0"/>
+              <a:rPr lang="zh-CN" altLang="en-US"/>
               <a:t>第三级</a:t>
             </a:r>
           </a:p>
           <a:p>
             <a:pPr lvl="3"/>
             <a:r>
-              <a:rPr lang="zh-CN" altLang="en-US" smtClean="0"/>
+              <a:rPr lang="zh-CN" altLang="en-US"/>
               <a:t>第四级</a:t>
             </a:r>
           </a:p>
           <a:p>
             <a:pPr lvl="4"/>
             <a:r>
-              <a:rPr lang="zh-CN" altLang="en-US" smtClean="0"/>
+              <a:rPr lang="zh-CN" altLang="en-US"/>
               <a:t>第五级</a:t>
             </a:r>
             <a:endParaRPr lang="en-US" dirty="0"/>
@@ -2073,7 +2073,7 @@
           <a:p>
             <a:pPr lvl="0"/>
             <a:r>
-              <a:rPr lang="zh-CN" altLang="en-US" smtClean="0"/>
+              <a:rPr lang="zh-CN" altLang="en-US"/>
               <a:t>单击此处编辑母版文本样式</a:t>
             </a:r>
           </a:p>
@@ -2096,7 +2096,7 @@
           <a:p>
             <a:fld id="{0877E658-E5F7-4D76-9220-E5348CB8540E}" type="datetimeFigureOut">
               <a:rPr lang="zh-CN" altLang="en-US" smtClean="0"/>
-              <a:t>2018/10/16</a:t>
+              <a:t>2018/12/29</a:t>
             </a:fld>
             <a:endParaRPr lang="zh-CN" altLang="en-US"/>
           </a:p>
@@ -2199,7 +2199,7 @@
           </a:lstStyle>
           <a:p>
             <a:r>
-              <a:rPr lang="zh-CN" altLang="en-US" smtClean="0"/>
+              <a:rPr lang="zh-CN" altLang="en-US"/>
               <a:t>单击此处编辑母版标题样式</a:t>
             </a:r>
             <a:endParaRPr lang="en-US" dirty="0"/>
@@ -2264,7 +2264,7 @@
           </a:lstStyle>
           <a:p>
             <a:r>
-              <a:rPr lang="zh-CN" altLang="en-US" smtClean="0"/>
+              <a:rPr lang="zh-CN" altLang="en-US"/>
               <a:t>单击图标添加图片</a:t>
             </a:r>
             <a:endParaRPr lang="en-US" dirty="0"/>
@@ -2330,7 +2330,7 @@
           <a:p>
             <a:pPr lvl="0"/>
             <a:r>
-              <a:rPr lang="zh-CN" altLang="en-US" smtClean="0"/>
+              <a:rPr lang="zh-CN" altLang="en-US"/>
               <a:t>单击此处编辑母版文本样式</a:t>
             </a:r>
           </a:p>
@@ -2353,7 +2353,7 @@
           <a:p>
             <a:fld id="{0877E658-E5F7-4D76-9220-E5348CB8540E}" type="datetimeFigureOut">
               <a:rPr lang="zh-CN" altLang="en-US" smtClean="0"/>
-              <a:t>2018/10/16</a:t>
+              <a:t>2018/12/29</a:t>
             </a:fld>
             <a:endParaRPr lang="zh-CN" altLang="en-US"/>
           </a:p>
@@ -2462,7 +2462,7 @@
           <a:lstStyle/>
           <a:p>
             <a:r>
-              <a:rPr lang="zh-CN" altLang="en-US" smtClean="0"/>
+              <a:rPr lang="zh-CN" altLang="en-US"/>
               <a:t>单击此处编辑母版标题样式</a:t>
             </a:r>
             <a:endParaRPr lang="en-US" dirty="0"/>
@@ -2496,35 +2496,35 @@
           <a:p>
             <a:pPr lvl="0"/>
             <a:r>
-              <a:rPr lang="zh-CN" altLang="en-US" smtClean="0"/>
+              <a:rPr lang="zh-CN" altLang="en-US"/>
               <a:t>单击此处编辑母版文本样式</a:t>
             </a:r>
           </a:p>
           <a:p>
             <a:pPr lvl="1"/>
             <a:r>
-              <a:rPr lang="zh-CN" altLang="en-US" smtClean="0"/>
+              <a:rPr lang="zh-CN" altLang="en-US"/>
               <a:t>第二级</a:t>
             </a:r>
           </a:p>
           <a:p>
             <a:pPr lvl="2"/>
             <a:r>
-              <a:rPr lang="zh-CN" altLang="en-US" smtClean="0"/>
+              <a:rPr lang="zh-CN" altLang="en-US"/>
               <a:t>第三级</a:t>
             </a:r>
           </a:p>
           <a:p>
             <a:pPr lvl="3"/>
             <a:r>
-              <a:rPr lang="zh-CN" altLang="en-US" smtClean="0"/>
+              <a:rPr lang="zh-CN" altLang="en-US"/>
               <a:t>第四级</a:t>
             </a:r>
           </a:p>
           <a:p>
             <a:pPr lvl="4"/>
             <a:r>
-              <a:rPr lang="zh-CN" altLang="en-US" smtClean="0"/>
+              <a:rPr lang="zh-CN" altLang="en-US"/>
               <a:t>第五级</a:t>
             </a:r>
             <a:endParaRPr lang="en-US" dirty="0"/>
@@ -2566,7 +2566,7 @@
           <a:p>
             <a:fld id="{0877E658-E5F7-4D76-9220-E5348CB8540E}" type="datetimeFigureOut">
               <a:rPr lang="zh-CN" altLang="en-US" smtClean="0"/>
-              <a:t>2018/10/16</a:t>
+              <a:t>2018/12/29</a:t>
             </a:fld>
             <a:endParaRPr lang="zh-CN" altLang="en-US"/>
           </a:p>
@@ -2971,746 +2971,782 @@
           <a:chExt cx="0" cy="0"/>
         </a:xfrm>
       </p:grpSpPr>
-      <p:grpSp>
-        <p:nvGrpSpPr>
-          <p:cNvPr id="2" name="组合 1"/>
-          <p:cNvGrpSpPr/>
+      <p:sp>
+        <p:nvSpPr>
+          <p:cNvPr id="71" name="圆角矩形 70"/>
+          <p:cNvSpPr/>
           <p:nvPr/>
-        </p:nvGrpSpPr>
-        <p:grpSpPr>
+        </p:nvSpPr>
+        <p:spPr>
           <a:xfrm>
-            <a:off x="349892" y="429260"/>
-            <a:ext cx="20579708" cy="24005540"/>
-            <a:chOff x="349892" y="429260"/>
-            <a:chExt cx="20579708" cy="24005540"/>
+            <a:off x="5602667" y="20026286"/>
+            <a:ext cx="9700223" cy="4408514"/>
           </a:xfrm>
-        </p:grpSpPr>
-        <p:sp>
-          <p:nvSpPr>
-            <p:cNvPr id="71" name="圆角矩形 70"/>
-            <p:cNvSpPr/>
-            <p:nvPr/>
-          </p:nvSpPr>
-          <p:spPr>
-            <a:xfrm>
-              <a:off x="5602667" y="20026286"/>
-              <a:ext cx="9700223" cy="4408514"/>
-            </a:xfrm>
-            <a:prstGeom prst="roundRect">
-              <a:avLst/>
-            </a:prstGeom>
-            <a:noFill/>
-            <a:ln w="25400">
-              <a:solidFill>
-                <a:schemeClr val="tx1"/>
-              </a:solidFill>
-            </a:ln>
-          </p:spPr>
-          <p:style>
-            <a:lnRef idx="2">
-              <a:schemeClr val="accent1">
-                <a:shade val="50000"/>
-              </a:schemeClr>
-            </a:lnRef>
-            <a:fillRef idx="1">
-              <a:schemeClr val="accent1"/>
-            </a:fillRef>
-            <a:effectRef idx="0">
-              <a:schemeClr val="accent1"/>
-            </a:effectRef>
-            <a:fontRef idx="minor">
-              <a:schemeClr val="lt1"/>
-            </a:fontRef>
-          </p:style>
-          <p:txBody>
-            <a:bodyPr rtlCol="0" anchor="ctr"/>
-            <a:lstStyle/>
-            <a:p>
-              <a:endParaRPr lang="zh-CN" altLang="en-US" sz="4800"/>
-            </a:p>
-          </p:txBody>
-        </p:sp>
-        <p:sp>
-          <p:nvSpPr>
-            <p:cNvPr id="61" name="圆角矩形 60"/>
-            <p:cNvSpPr/>
-            <p:nvPr/>
-          </p:nvSpPr>
-          <p:spPr>
-            <a:xfrm>
-              <a:off x="6441491" y="429260"/>
-              <a:ext cx="8908842" cy="3306264"/>
-            </a:xfrm>
-            <a:prstGeom prst="roundRect">
-              <a:avLst/>
-            </a:prstGeom>
-            <a:noFill/>
-            <a:ln w="25400">
-              <a:solidFill>
-                <a:schemeClr val="tx1"/>
-              </a:solidFill>
-            </a:ln>
-          </p:spPr>
-          <p:style>
-            <a:lnRef idx="2">
-              <a:schemeClr val="accent1">
-                <a:shade val="50000"/>
-              </a:schemeClr>
-            </a:lnRef>
-            <a:fillRef idx="1">
-              <a:schemeClr val="accent1"/>
-            </a:fillRef>
-            <a:effectRef idx="0">
-              <a:schemeClr val="accent1"/>
-            </a:effectRef>
-            <a:fontRef idx="minor">
-              <a:schemeClr val="lt1"/>
-            </a:fontRef>
-          </p:style>
-          <p:txBody>
-            <a:bodyPr rtlCol="0" anchor="ctr"/>
-            <a:lstStyle/>
-            <a:p>
-              <a:endParaRPr lang="zh-CN" altLang="en-US" sz="4800"/>
-            </a:p>
-          </p:txBody>
-        </p:sp>
-        <p:sp>
-          <p:nvSpPr>
-            <p:cNvPr id="62" name="文本框 61"/>
-            <p:cNvSpPr txBox="1"/>
-            <p:nvPr/>
-          </p:nvSpPr>
-          <p:spPr>
-            <a:xfrm>
-              <a:off x="7031603" y="512731"/>
-              <a:ext cx="8378259" cy="3139321"/>
-            </a:xfrm>
-            <a:prstGeom prst="rect">
-              <a:avLst/>
-            </a:prstGeom>
-            <a:noFill/>
-          </p:spPr>
-          <p:txBody>
-            <a:bodyPr wrap="square" rtlCol="0">
-              <a:spAutoFit/>
-            </a:bodyPr>
-            <a:lstStyle/>
-            <a:p>
-              <a:r>
-                <a:rPr lang="en-US" altLang="zh-CN" sz="5400" b="1"/>
-                <a:t>3D lung geometry</a:t>
-              </a:r>
-            </a:p>
-            <a:p>
-              <a:pPr marL="342900" indent="-342900">
-                <a:buAutoNum type="arabicPeriod"/>
-              </a:pPr>
-              <a:r>
-                <a:rPr lang="en-US" altLang="zh-CN" sz="4800"/>
-                <a:t>Generate </a:t>
-              </a:r>
-              <a:r>
-                <a:rPr lang="en-US" altLang="zh-CN" sz="4800" smtClean="0"/>
-                <a:t>IPF lung </a:t>
-              </a:r>
-              <a:r>
-                <a:rPr lang="en-US" altLang="zh-CN" sz="4800"/>
-                <a:t>lobe </a:t>
-              </a:r>
-              <a:r>
-                <a:rPr lang="en-US" altLang="zh-CN" sz="4800" smtClean="0"/>
-                <a:t>mesh</a:t>
-              </a:r>
-              <a:endParaRPr lang="en-US" altLang="zh-CN" sz="4800"/>
-            </a:p>
-            <a:p>
-              <a:pPr marL="342900" indent="-342900">
-                <a:buAutoNum type="arabicPeriod"/>
-              </a:pPr>
-              <a:r>
-                <a:rPr lang="en-US" altLang="zh-CN" sz="4800"/>
-                <a:t>Predict lung lobe shape of old normal </a:t>
-              </a:r>
-              <a:endParaRPr lang="zh-CN" altLang="en-US" sz="4800"/>
-            </a:p>
-          </p:txBody>
-        </p:sp>
-        <p:sp>
-          <p:nvSpPr>
-            <p:cNvPr id="63" name="圆角矩形 62"/>
-            <p:cNvSpPr/>
-            <p:nvPr/>
-          </p:nvSpPr>
-          <p:spPr>
-            <a:xfrm>
-              <a:off x="6370810" y="4594509"/>
-              <a:ext cx="8908841" cy="8664291"/>
-            </a:xfrm>
-            <a:prstGeom prst="roundRect">
-              <a:avLst/>
-            </a:prstGeom>
-            <a:noFill/>
-            <a:ln w="25400">
-              <a:solidFill>
-                <a:schemeClr val="tx1"/>
-              </a:solidFill>
-            </a:ln>
-          </p:spPr>
-          <p:style>
-            <a:lnRef idx="2">
-              <a:schemeClr val="accent1">
-                <a:shade val="50000"/>
-              </a:schemeClr>
-            </a:lnRef>
-            <a:fillRef idx="1">
-              <a:schemeClr val="accent1"/>
-            </a:fillRef>
-            <a:effectRef idx="0">
-              <a:schemeClr val="accent1"/>
-            </a:effectRef>
-            <a:fontRef idx="minor">
-              <a:schemeClr val="lt1"/>
-            </a:fontRef>
-          </p:style>
-          <p:txBody>
-            <a:bodyPr rtlCol="0" anchor="ctr"/>
-            <a:lstStyle/>
-            <a:p>
-              <a:endParaRPr lang="zh-CN" altLang="en-US" sz="4800"/>
-            </a:p>
-          </p:txBody>
-        </p:sp>
-        <p:sp>
-          <p:nvSpPr>
-            <p:cNvPr id="64" name="文本框 63"/>
-            <p:cNvSpPr txBox="1"/>
-            <p:nvPr/>
-          </p:nvSpPr>
-          <p:spPr>
-            <a:xfrm>
-              <a:off x="7117547" y="4672450"/>
-              <a:ext cx="8087309" cy="9140964"/>
-            </a:xfrm>
-            <a:prstGeom prst="rect">
-              <a:avLst/>
-            </a:prstGeom>
-            <a:noFill/>
-          </p:spPr>
-          <p:txBody>
-            <a:bodyPr wrap="square" rtlCol="0">
-              <a:spAutoFit/>
-            </a:bodyPr>
-            <a:lstStyle/>
-            <a:p>
-              <a:r>
-                <a:rPr lang="en-US" altLang="zh-CN" sz="5400" b="1"/>
-                <a:t>Airway/vasculature geometry</a:t>
-              </a:r>
-            </a:p>
-            <a:p>
-              <a:pPr marL="342900" indent="-342900">
-                <a:buAutoNum type="arabicPeriod"/>
-              </a:pPr>
-              <a:r>
-                <a:rPr lang="en-US" altLang="zh-CN" sz="4800"/>
-                <a:t>Extract upper airway/vessel tree from HRCT images</a:t>
-              </a:r>
-            </a:p>
-            <a:p>
-              <a:pPr marL="342900" indent="-342900">
-                <a:buAutoNum type="arabicPeriod"/>
-              </a:pPr>
-              <a:r>
-                <a:rPr lang="en-US" altLang="zh-CN" sz="4800"/>
-                <a:t>Map IPF upper airway to old normal lung mesh</a:t>
-              </a:r>
-            </a:p>
-            <a:p>
-              <a:pPr marL="342900" indent="-342900">
-                <a:buAutoNum type="arabicPeriod"/>
-              </a:pPr>
-              <a:r>
-                <a:rPr lang="en-US" altLang="zh-CN" sz="4800"/>
-                <a:t>Generate full airway </a:t>
-              </a:r>
-              <a:r>
-                <a:rPr lang="en-US" altLang="zh-CN" sz="4800" smtClean="0"/>
-                <a:t>of old </a:t>
-              </a:r>
-              <a:r>
-                <a:rPr lang="en-US" altLang="zh-CN" sz="4800"/>
-                <a:t>normal </a:t>
-              </a:r>
-            </a:p>
-            <a:p>
-              <a:pPr marL="342900" indent="-342900">
-                <a:buAutoNum type="arabicPeriod"/>
-              </a:pPr>
-              <a:r>
-                <a:rPr lang="en-US" altLang="zh-CN" sz="4800"/>
-                <a:t> Map normal full airway to IPF lung mesh</a:t>
-              </a:r>
-            </a:p>
-            <a:p>
-              <a:pPr marL="342900" indent="-342900">
-                <a:buAutoNum type="arabicPeriod"/>
-              </a:pPr>
-              <a:r>
-                <a:rPr lang="en-US" altLang="zh-CN" sz="4800"/>
-                <a:t>Generate full vessel tree</a:t>
-              </a:r>
-            </a:p>
-            <a:p>
-              <a:pPr marL="342900" indent="-342900">
-                <a:buAutoNum type="arabicPeriod"/>
-              </a:pPr>
-              <a:endParaRPr lang="en-US" altLang="zh-CN" sz="4800"/>
-            </a:p>
-          </p:txBody>
-        </p:sp>
-        <p:sp>
-          <p:nvSpPr>
-            <p:cNvPr id="65" name="圆角矩形 64"/>
-            <p:cNvSpPr/>
-            <p:nvPr/>
-          </p:nvSpPr>
-          <p:spPr>
-            <a:xfrm>
-              <a:off x="349892" y="14104041"/>
-              <a:ext cx="9772059" cy="4969861"/>
-            </a:xfrm>
-            <a:prstGeom prst="roundRect">
-              <a:avLst/>
-            </a:prstGeom>
-            <a:noFill/>
-            <a:ln w="25400">
-              <a:solidFill>
-                <a:schemeClr val="tx1"/>
-              </a:solidFill>
-            </a:ln>
-          </p:spPr>
-          <p:style>
-            <a:lnRef idx="2">
-              <a:schemeClr val="accent1">
-                <a:shade val="50000"/>
-              </a:schemeClr>
-            </a:lnRef>
-            <a:fillRef idx="1">
-              <a:schemeClr val="accent1"/>
-            </a:fillRef>
-            <a:effectRef idx="0">
-              <a:schemeClr val="accent1"/>
-            </a:effectRef>
-            <a:fontRef idx="minor">
-              <a:schemeClr val="lt1"/>
-            </a:fontRef>
-          </p:style>
-          <p:txBody>
-            <a:bodyPr rtlCol="0" anchor="ctr"/>
-            <a:lstStyle/>
-            <a:p>
-              <a:endParaRPr lang="zh-CN" altLang="en-US" sz="4800"/>
-            </a:p>
-          </p:txBody>
-        </p:sp>
-        <p:sp>
-          <p:nvSpPr>
-            <p:cNvPr id="66" name="文本框 65"/>
-            <p:cNvSpPr txBox="1"/>
-            <p:nvPr/>
-          </p:nvSpPr>
-          <p:spPr>
-            <a:xfrm>
-              <a:off x="923096" y="14304854"/>
-              <a:ext cx="9937652" cy="4616648"/>
-            </a:xfrm>
-            <a:prstGeom prst="rect">
-              <a:avLst/>
-            </a:prstGeom>
-            <a:noFill/>
-          </p:spPr>
-          <p:txBody>
-            <a:bodyPr wrap="square" rtlCol="0">
-              <a:spAutoFit/>
-            </a:bodyPr>
-            <a:lstStyle/>
-            <a:p>
-              <a:r>
-                <a:rPr lang="en-US" altLang="zh-CN" sz="5400" b="1"/>
-                <a:t>Ventilation model</a:t>
-              </a:r>
-            </a:p>
-            <a:p>
-              <a:pPr marL="342900" indent="-342900">
-                <a:buAutoNum type="arabicPeriod"/>
-              </a:pPr>
-              <a:r>
-                <a:rPr lang="en-US" altLang="zh-CN" sz="4800"/>
-                <a:t>Deep inspiration (fibrosis constricted)—set muscle pressure, </a:t>
-              </a:r>
-              <a:r>
-                <a:rPr lang="en-US" altLang="zh-CN" sz="4800" smtClean="0"/>
-                <a:t>set average </a:t>
-              </a:r>
-              <a:r>
-                <a:rPr lang="en-US" altLang="zh-CN" sz="4800"/>
-                <a:t>lung compliance</a:t>
-              </a:r>
-            </a:p>
-            <a:p>
-              <a:pPr marL="342900" indent="-342900">
-                <a:buAutoNum type="arabicPeriod"/>
-              </a:pPr>
-              <a:r>
-                <a:rPr lang="en-US" altLang="zh-CN" sz="4800"/>
-                <a:t>Normal breath—ventilation </a:t>
-              </a:r>
-              <a:r>
-                <a:rPr lang="en-US" altLang="zh-CN" sz="4800" smtClean="0"/>
-                <a:t>distribution for normal and IPF</a:t>
-              </a:r>
-              <a:endParaRPr lang="zh-CN" altLang="en-US" sz="4800"/>
-            </a:p>
-          </p:txBody>
-        </p:sp>
-        <p:sp>
-          <p:nvSpPr>
-            <p:cNvPr id="67" name="圆角矩形 66"/>
-            <p:cNvSpPr/>
-            <p:nvPr/>
-          </p:nvSpPr>
-          <p:spPr>
-            <a:xfrm>
-              <a:off x="11220733" y="14104041"/>
-              <a:ext cx="9708867" cy="5040971"/>
-            </a:xfrm>
-            <a:prstGeom prst="roundRect">
-              <a:avLst/>
-            </a:prstGeom>
-            <a:noFill/>
-            <a:ln w="25400">
-              <a:solidFill>
-                <a:schemeClr val="tx1"/>
-              </a:solidFill>
-            </a:ln>
-          </p:spPr>
-          <p:style>
-            <a:lnRef idx="2">
-              <a:schemeClr val="accent1">
-                <a:shade val="50000"/>
-              </a:schemeClr>
-            </a:lnRef>
-            <a:fillRef idx="1">
-              <a:schemeClr val="accent1"/>
-            </a:fillRef>
-            <a:effectRef idx="0">
-              <a:schemeClr val="accent1"/>
-            </a:effectRef>
-            <a:fontRef idx="minor">
-              <a:schemeClr val="lt1"/>
-            </a:fontRef>
-          </p:style>
-          <p:txBody>
-            <a:bodyPr rtlCol="0" anchor="ctr"/>
-            <a:lstStyle/>
-            <a:p>
-              <a:endParaRPr lang="zh-CN" altLang="en-US" sz="4800"/>
-            </a:p>
-          </p:txBody>
-        </p:sp>
-        <p:sp>
-          <p:nvSpPr>
-            <p:cNvPr id="68" name="文本框 67"/>
-            <p:cNvSpPr txBox="1"/>
-            <p:nvPr/>
-          </p:nvSpPr>
-          <p:spPr>
-            <a:xfrm>
-              <a:off x="11663461" y="14316202"/>
-              <a:ext cx="9266139" cy="3877985"/>
-            </a:xfrm>
-            <a:prstGeom prst="rect">
-              <a:avLst/>
-            </a:prstGeom>
-            <a:noFill/>
-          </p:spPr>
-          <p:txBody>
-            <a:bodyPr wrap="square" rtlCol="0">
-              <a:spAutoFit/>
-            </a:bodyPr>
-            <a:lstStyle/>
-            <a:p>
-              <a:r>
-                <a:rPr lang="en-US" altLang="zh-CN" sz="5400" b="1" smtClean="0"/>
-                <a:t>Perfusion model</a:t>
-              </a:r>
-            </a:p>
-            <a:p>
-              <a:pPr marL="342900" indent="-342900">
-                <a:buAutoNum type="arabicPeriod"/>
-              </a:pPr>
-              <a:r>
-                <a:rPr lang="en-US" altLang="zh-CN" sz="4800" smtClean="0"/>
-                <a:t>Normal perfusion distribution</a:t>
-              </a:r>
-            </a:p>
-            <a:p>
-              <a:pPr marL="342900" indent="-342900">
-                <a:buAutoNum type="arabicPeriod"/>
-              </a:pPr>
-              <a:r>
-                <a:rPr lang="en-US" altLang="zh-CN" sz="4800" smtClean="0"/>
-                <a:t>IPF perfusion distribution, with fibrosis areas narrowing vessel radius</a:t>
-              </a:r>
-              <a:endParaRPr lang="zh-CN" altLang="en-US" sz="4800"/>
-            </a:p>
-          </p:txBody>
-        </p:sp>
-        <p:sp>
-          <p:nvSpPr>
-            <p:cNvPr id="72" name="文本框 71"/>
-            <p:cNvSpPr txBox="1"/>
-            <p:nvPr/>
-          </p:nvSpPr>
-          <p:spPr>
-            <a:xfrm>
-              <a:off x="6251906" y="20308976"/>
-              <a:ext cx="9027745" cy="3877985"/>
-            </a:xfrm>
-            <a:prstGeom prst="rect">
-              <a:avLst/>
-            </a:prstGeom>
-            <a:noFill/>
-          </p:spPr>
-          <p:txBody>
-            <a:bodyPr wrap="square" rtlCol="0">
-              <a:spAutoFit/>
-            </a:bodyPr>
-            <a:lstStyle/>
-            <a:p>
-              <a:r>
-                <a:rPr lang="en-US" altLang="zh-CN" sz="5400" b="1" smtClean="0"/>
-                <a:t>Gas exchange </a:t>
-              </a:r>
-              <a:r>
-                <a:rPr lang="en-US" altLang="zh-CN" sz="5400" b="1"/>
-                <a:t>model</a:t>
-              </a:r>
-            </a:p>
-            <a:p>
-              <a:pPr marL="342900" indent="-342900">
-                <a:buAutoNum type="arabicPeriod"/>
-              </a:pPr>
-              <a:r>
-                <a:rPr lang="en-US" altLang="zh-CN" sz="4800" smtClean="0"/>
-                <a:t>Gas exchange for both normal and IPF</a:t>
-              </a:r>
-            </a:p>
-            <a:p>
-              <a:pPr marL="342900" indent="-342900">
-                <a:buAutoNum type="arabicPeriod"/>
-              </a:pPr>
-              <a:r>
-                <a:rPr lang="en-US" altLang="zh-CN" sz="4800" smtClean="0"/>
-                <a:t>V/Q ration distribution analysis</a:t>
-              </a:r>
-            </a:p>
-            <a:p>
-              <a:pPr marL="342900" indent="-342900">
-                <a:buAutoNum type="arabicPeriod"/>
-              </a:pPr>
-              <a:r>
-                <a:rPr lang="en-US" altLang="zh-CN" sz="4800" smtClean="0"/>
-                <a:t>PaO2 analysis</a:t>
-              </a:r>
-              <a:endParaRPr lang="zh-CN" altLang="en-US" sz="4800"/>
-            </a:p>
-          </p:txBody>
-        </p:sp>
-        <p:cxnSp>
-          <p:nvCxnSpPr>
-            <p:cNvPr id="11" name="直接箭头连接符 10"/>
-            <p:cNvCxnSpPr>
-              <a:stCxn id="61" idx="2"/>
-            </p:cNvCxnSpPr>
-            <p:nvPr/>
-          </p:nvCxnSpPr>
-          <p:spPr>
-            <a:xfrm flipH="1">
-              <a:off x="10888980" y="3735524"/>
-              <a:ext cx="6932" cy="874576"/>
-            </a:xfrm>
-            <a:prstGeom prst="straightConnector1">
-              <a:avLst/>
-            </a:prstGeom>
-            <a:ln w="50800">
-              <a:solidFill>
-                <a:schemeClr val="tx1"/>
-              </a:solidFill>
-              <a:tailEnd type="triangle"/>
-            </a:ln>
-          </p:spPr>
-          <p:style>
-            <a:lnRef idx="1">
-              <a:schemeClr val="accent1"/>
-            </a:lnRef>
-            <a:fillRef idx="0">
-              <a:schemeClr val="accent1"/>
-            </a:fillRef>
-            <a:effectRef idx="0">
-              <a:schemeClr val="accent1"/>
-            </a:effectRef>
-            <a:fontRef idx="minor">
+          <a:prstGeom prst="roundRect">
+            <a:avLst/>
+          </a:prstGeom>
+          <a:noFill/>
+          <a:ln w="25400">
+            <a:solidFill>
               <a:schemeClr val="tx1"/>
-            </a:fontRef>
-          </p:style>
-        </p:cxnSp>
-        <p:cxnSp>
-          <p:nvCxnSpPr>
-            <p:cNvPr id="73" name="直接箭头连接符 72"/>
-            <p:cNvCxnSpPr/>
-            <p:nvPr/>
-          </p:nvCxnSpPr>
-          <p:spPr>
-            <a:xfrm flipH="1">
-              <a:off x="6575124" y="13264216"/>
-              <a:ext cx="1082976" cy="833018"/>
-            </a:xfrm>
-            <a:prstGeom prst="straightConnector1">
-              <a:avLst/>
-            </a:prstGeom>
-            <a:ln w="50800">
-              <a:solidFill>
-                <a:schemeClr val="tx1"/>
-              </a:solidFill>
-              <a:tailEnd type="triangle"/>
-            </a:ln>
-          </p:spPr>
-          <p:style>
-            <a:lnRef idx="1">
-              <a:schemeClr val="accent1"/>
-            </a:lnRef>
-            <a:fillRef idx="0">
-              <a:schemeClr val="accent1"/>
-            </a:fillRef>
-            <a:effectRef idx="0">
-              <a:schemeClr val="accent1"/>
-            </a:effectRef>
-            <a:fontRef idx="minor">
+            </a:solidFill>
+          </a:ln>
+        </p:spPr>
+        <p:style>
+          <a:lnRef idx="2">
+            <a:schemeClr val="accent1">
+              <a:shade val="50000"/>
+            </a:schemeClr>
+          </a:lnRef>
+          <a:fillRef idx="1">
+            <a:schemeClr val="accent1"/>
+          </a:fillRef>
+          <a:effectRef idx="0">
+            <a:schemeClr val="accent1"/>
+          </a:effectRef>
+          <a:fontRef idx="minor">
+            <a:schemeClr val="lt1"/>
+          </a:fontRef>
+        </p:style>
+        <p:txBody>
+          <a:bodyPr rtlCol="0" anchor="ctr"/>
+          <a:lstStyle/>
+          <a:p>
+            <a:endParaRPr lang="zh-CN" altLang="en-US" sz="4800"/>
+          </a:p>
+        </p:txBody>
+      </p:sp>
+      <p:sp>
+        <p:nvSpPr>
+          <p:cNvPr id="61" name="圆角矩形 60"/>
+          <p:cNvSpPr/>
+          <p:nvPr/>
+        </p:nvSpPr>
+        <p:spPr>
+          <a:xfrm>
+            <a:off x="6441491" y="429260"/>
+            <a:ext cx="8908842" cy="3306264"/>
+          </a:xfrm>
+          <a:prstGeom prst="roundRect">
+            <a:avLst/>
+          </a:prstGeom>
+          <a:noFill/>
+          <a:ln w="25400">
+            <a:solidFill>
               <a:schemeClr val="tx1"/>
-            </a:fontRef>
-          </p:style>
-        </p:cxnSp>
-        <p:cxnSp>
-          <p:nvCxnSpPr>
-            <p:cNvPr id="74" name="直接箭头连接符 73"/>
-            <p:cNvCxnSpPr/>
-            <p:nvPr/>
-          </p:nvCxnSpPr>
-          <p:spPr>
-            <a:xfrm>
-              <a:off x="14147800" y="13247196"/>
-              <a:ext cx="914400" cy="837104"/>
-            </a:xfrm>
-            <a:prstGeom prst="straightConnector1">
-              <a:avLst/>
-            </a:prstGeom>
-            <a:ln w="50800">
-              <a:solidFill>
-                <a:schemeClr val="tx1"/>
-              </a:solidFill>
-              <a:tailEnd type="triangle"/>
-            </a:ln>
-          </p:spPr>
-          <p:style>
-            <a:lnRef idx="1">
-              <a:schemeClr val="accent1"/>
-            </a:lnRef>
-            <a:fillRef idx="0">
-              <a:schemeClr val="accent1"/>
-            </a:fillRef>
-            <a:effectRef idx="0">
-              <a:schemeClr val="accent1"/>
-            </a:effectRef>
-            <a:fontRef idx="minor">
+            </a:solidFill>
+          </a:ln>
+        </p:spPr>
+        <p:style>
+          <a:lnRef idx="2">
+            <a:schemeClr val="accent1">
+              <a:shade val="50000"/>
+            </a:schemeClr>
+          </a:lnRef>
+          <a:fillRef idx="1">
+            <a:schemeClr val="accent1"/>
+          </a:fillRef>
+          <a:effectRef idx="0">
+            <a:schemeClr val="accent1"/>
+          </a:effectRef>
+          <a:fontRef idx="minor">
+            <a:schemeClr val="lt1"/>
+          </a:fontRef>
+        </p:style>
+        <p:txBody>
+          <a:bodyPr rtlCol="0" anchor="ctr"/>
+          <a:lstStyle/>
+          <a:p>
+            <a:endParaRPr lang="zh-CN" altLang="en-US" sz="4800"/>
+          </a:p>
+        </p:txBody>
+      </p:sp>
+      <p:sp>
+        <p:nvSpPr>
+          <p:cNvPr id="62" name="文本框 61"/>
+          <p:cNvSpPr txBox="1"/>
+          <p:nvPr/>
+        </p:nvSpPr>
+        <p:spPr>
+          <a:xfrm>
+            <a:off x="7031603" y="512731"/>
+            <a:ext cx="8378259" cy="3139321"/>
+          </a:xfrm>
+          <a:prstGeom prst="rect">
+            <a:avLst/>
+          </a:prstGeom>
+          <a:noFill/>
+        </p:spPr>
+        <p:txBody>
+          <a:bodyPr wrap="square" rtlCol="0">
+            <a:spAutoFit/>
+          </a:bodyPr>
+          <a:lstStyle/>
+          <a:p>
+            <a:r>
+              <a:rPr lang="en-US" altLang="zh-CN" sz="5400" b="1" dirty="0"/>
+              <a:t>3D lung geometry</a:t>
+            </a:r>
+          </a:p>
+          <a:p>
+            <a:pPr marL="342900" indent="-342900">
+              <a:buAutoNum type="arabicPeriod"/>
+            </a:pPr>
+            <a:r>
+              <a:rPr lang="en-US" altLang="zh-CN" sz="4800" dirty="0"/>
+              <a:t>Generate IPF lung lobe mesh</a:t>
+            </a:r>
+          </a:p>
+          <a:p>
+            <a:pPr marL="342900" indent="-342900">
+              <a:buAutoNum type="arabicPeriod"/>
+            </a:pPr>
+            <a:r>
+              <a:rPr lang="en-US" altLang="zh-CN" sz="4800" dirty="0"/>
+              <a:t>Predict lung lobe shape of age-matched normal (control)</a:t>
+            </a:r>
+            <a:endParaRPr lang="zh-CN" altLang="en-US" sz="4800" dirty="0"/>
+          </a:p>
+        </p:txBody>
+      </p:sp>
+      <p:sp>
+        <p:nvSpPr>
+          <p:cNvPr id="63" name="圆角矩形 62"/>
+          <p:cNvSpPr/>
+          <p:nvPr/>
+        </p:nvSpPr>
+        <p:spPr>
+          <a:xfrm>
+            <a:off x="6370810" y="4594509"/>
+            <a:ext cx="8908841" cy="8664291"/>
+          </a:xfrm>
+          <a:prstGeom prst="roundRect">
+            <a:avLst/>
+          </a:prstGeom>
+          <a:noFill/>
+          <a:ln w="25400">
+            <a:solidFill>
               <a:schemeClr val="tx1"/>
-            </a:fontRef>
-          </p:style>
-        </p:cxnSp>
-        <p:cxnSp>
-          <p:nvCxnSpPr>
-            <p:cNvPr id="78" name="直接箭头连接符 77"/>
-            <p:cNvCxnSpPr/>
-            <p:nvPr/>
-          </p:nvCxnSpPr>
-          <p:spPr>
-            <a:xfrm flipH="1">
-              <a:off x="13934261" y="19151710"/>
-              <a:ext cx="1270595" cy="874576"/>
-            </a:xfrm>
-            <a:prstGeom prst="straightConnector1">
-              <a:avLst/>
-            </a:prstGeom>
-            <a:ln w="50800">
-              <a:solidFill>
-                <a:schemeClr val="tx1"/>
-              </a:solidFill>
-              <a:tailEnd type="triangle"/>
-            </a:ln>
-          </p:spPr>
-          <p:style>
-            <a:lnRef idx="1">
-              <a:schemeClr val="accent1"/>
-            </a:lnRef>
-            <a:fillRef idx="0">
-              <a:schemeClr val="accent1"/>
-            </a:fillRef>
-            <a:effectRef idx="0">
-              <a:schemeClr val="accent1"/>
-            </a:effectRef>
-            <a:fontRef idx="minor">
+            </a:solidFill>
+          </a:ln>
+        </p:spPr>
+        <p:style>
+          <a:lnRef idx="2">
+            <a:schemeClr val="accent1">
+              <a:shade val="50000"/>
+            </a:schemeClr>
+          </a:lnRef>
+          <a:fillRef idx="1">
+            <a:schemeClr val="accent1"/>
+          </a:fillRef>
+          <a:effectRef idx="0">
+            <a:schemeClr val="accent1"/>
+          </a:effectRef>
+          <a:fontRef idx="minor">
+            <a:schemeClr val="lt1"/>
+          </a:fontRef>
+        </p:style>
+        <p:txBody>
+          <a:bodyPr rtlCol="0" anchor="ctr"/>
+          <a:lstStyle/>
+          <a:p>
+            <a:endParaRPr lang="zh-CN" altLang="en-US" sz="4800"/>
+          </a:p>
+        </p:txBody>
+      </p:sp>
+      <p:sp>
+        <p:nvSpPr>
+          <p:cNvPr id="64" name="文本框 63"/>
+          <p:cNvSpPr txBox="1"/>
+          <p:nvPr/>
+        </p:nvSpPr>
+        <p:spPr>
+          <a:xfrm>
+            <a:off x="7117547" y="4672450"/>
+            <a:ext cx="8087309" cy="9140964"/>
+          </a:xfrm>
+          <a:prstGeom prst="rect">
+            <a:avLst/>
+          </a:prstGeom>
+          <a:noFill/>
+        </p:spPr>
+        <p:txBody>
+          <a:bodyPr wrap="square" rtlCol="0">
+            <a:spAutoFit/>
+          </a:bodyPr>
+          <a:lstStyle/>
+          <a:p>
+            <a:r>
+              <a:rPr lang="en-US" altLang="zh-CN" sz="5400" b="1" dirty="0"/>
+              <a:t>Airway/vasculature geometry</a:t>
+            </a:r>
+          </a:p>
+          <a:p>
+            <a:pPr marL="342900" indent="-342900">
+              <a:buAutoNum type="arabicPeriod"/>
+            </a:pPr>
+            <a:r>
+              <a:rPr lang="en-US" altLang="zh-CN" sz="4800" dirty="0"/>
+              <a:t>Extract upper airway/vessel tree from HRCT images</a:t>
+            </a:r>
+          </a:p>
+          <a:p>
+            <a:pPr marL="342900" indent="-342900">
+              <a:buAutoNum type="arabicPeriod"/>
+            </a:pPr>
+            <a:r>
+              <a:rPr lang="en-US" altLang="zh-CN" sz="4800" dirty="0"/>
+              <a:t>Map IPF upper airway to age-matched normal lung mesh</a:t>
+            </a:r>
+          </a:p>
+          <a:p>
+            <a:pPr marL="342900" indent="-342900">
+              <a:buAutoNum type="arabicPeriod"/>
+            </a:pPr>
+            <a:r>
+              <a:rPr lang="en-US" altLang="zh-CN" sz="4800" dirty="0"/>
+              <a:t>Generate full airway of age-matched normal </a:t>
+            </a:r>
+          </a:p>
+          <a:p>
+            <a:pPr marL="342900" indent="-342900">
+              <a:buAutoNum type="arabicPeriod"/>
+            </a:pPr>
+            <a:r>
+              <a:rPr lang="en-US" altLang="zh-CN" sz="4800" dirty="0"/>
+              <a:t> Map normal full airway to IPF lung mesh</a:t>
+            </a:r>
+          </a:p>
+          <a:p>
+            <a:pPr marL="342900" indent="-342900">
+              <a:buAutoNum type="arabicPeriod"/>
+            </a:pPr>
+            <a:r>
+              <a:rPr lang="en-US" altLang="zh-CN" sz="4800" dirty="0"/>
+              <a:t>Generate full vessel tree</a:t>
+            </a:r>
+          </a:p>
+          <a:p>
+            <a:pPr marL="342900" indent="-342900">
+              <a:buAutoNum type="arabicPeriod"/>
+            </a:pPr>
+            <a:endParaRPr lang="en-US" altLang="zh-CN" sz="4800" dirty="0"/>
+          </a:p>
+        </p:txBody>
+      </p:sp>
+      <p:sp>
+        <p:nvSpPr>
+          <p:cNvPr id="65" name="圆角矩形 64"/>
+          <p:cNvSpPr/>
+          <p:nvPr/>
+        </p:nvSpPr>
+        <p:spPr>
+          <a:xfrm>
+            <a:off x="349892" y="14104041"/>
+            <a:ext cx="10211428" cy="4969861"/>
+          </a:xfrm>
+          <a:prstGeom prst="roundRect">
+            <a:avLst/>
+          </a:prstGeom>
+          <a:noFill/>
+          <a:ln w="25400">
+            <a:solidFill>
               <a:schemeClr val="tx1"/>
-            </a:fontRef>
-          </p:style>
-        </p:cxnSp>
-        <p:cxnSp>
-          <p:nvCxnSpPr>
-            <p:cNvPr id="80" name="直接箭头连接符 79"/>
-            <p:cNvCxnSpPr/>
-            <p:nvPr/>
-          </p:nvCxnSpPr>
-          <p:spPr>
-            <a:xfrm>
-              <a:off x="5981700" y="19075400"/>
-              <a:ext cx="1117600" cy="939800"/>
-            </a:xfrm>
-            <a:prstGeom prst="straightConnector1">
-              <a:avLst/>
-            </a:prstGeom>
-            <a:ln w="50800">
-              <a:solidFill>
-                <a:schemeClr val="tx1"/>
-              </a:solidFill>
-              <a:tailEnd type="triangle"/>
-            </a:ln>
-          </p:spPr>
-          <p:style>
-            <a:lnRef idx="1">
-              <a:schemeClr val="accent1"/>
-            </a:lnRef>
-            <a:fillRef idx="0">
-              <a:schemeClr val="accent1"/>
-            </a:fillRef>
-            <a:effectRef idx="0">
-              <a:schemeClr val="accent1"/>
-            </a:effectRef>
-            <a:fontRef idx="minor">
+            </a:solidFill>
+          </a:ln>
+        </p:spPr>
+        <p:style>
+          <a:lnRef idx="2">
+            <a:schemeClr val="accent1">
+              <a:shade val="50000"/>
+            </a:schemeClr>
+          </a:lnRef>
+          <a:fillRef idx="1">
+            <a:schemeClr val="accent1"/>
+          </a:fillRef>
+          <a:effectRef idx="0">
+            <a:schemeClr val="accent1"/>
+          </a:effectRef>
+          <a:fontRef idx="minor">
+            <a:schemeClr val="lt1"/>
+          </a:fontRef>
+        </p:style>
+        <p:txBody>
+          <a:bodyPr rtlCol="0" anchor="ctr"/>
+          <a:lstStyle/>
+          <a:p>
+            <a:endParaRPr lang="zh-CN" altLang="en-US" sz="4800"/>
+          </a:p>
+        </p:txBody>
+      </p:sp>
+      <p:sp>
+        <p:nvSpPr>
+          <p:cNvPr id="66" name="文本框 65"/>
+          <p:cNvSpPr txBox="1"/>
+          <p:nvPr/>
+        </p:nvSpPr>
+        <p:spPr>
+          <a:xfrm>
+            <a:off x="923096" y="14304854"/>
+            <a:ext cx="9937652" cy="4616648"/>
+          </a:xfrm>
+          <a:prstGeom prst="rect">
+            <a:avLst/>
+          </a:prstGeom>
+          <a:noFill/>
+        </p:spPr>
+        <p:txBody>
+          <a:bodyPr wrap="square" rtlCol="0">
+            <a:spAutoFit/>
+          </a:bodyPr>
+          <a:lstStyle/>
+          <a:p>
+            <a:r>
+              <a:rPr lang="en-US" altLang="zh-CN" sz="5400" b="1" dirty="0"/>
+              <a:t>Ventilation model</a:t>
+            </a:r>
+          </a:p>
+          <a:p>
+            <a:pPr marL="342900" indent="-342900">
+              <a:buAutoNum type="arabicPeriod"/>
+            </a:pPr>
+            <a:r>
+              <a:rPr lang="en-US" altLang="zh-CN" sz="4800" dirty="0"/>
+              <a:t>Deep inspiration (fibrosis constricted)——set muscle pressure, set average lung compliance</a:t>
+            </a:r>
+          </a:p>
+          <a:p>
+            <a:pPr marL="342900" indent="-342900">
+              <a:buAutoNum type="arabicPeriod"/>
+            </a:pPr>
+            <a:r>
+              <a:rPr lang="en-US" altLang="zh-CN" sz="4800" dirty="0"/>
+              <a:t>Normal breath——ventilation distribution for normal and IPF</a:t>
+            </a:r>
+            <a:endParaRPr lang="zh-CN" altLang="en-US" sz="4800" dirty="0"/>
+          </a:p>
+        </p:txBody>
+      </p:sp>
+      <p:sp>
+        <p:nvSpPr>
+          <p:cNvPr id="67" name="圆角矩形 66"/>
+          <p:cNvSpPr/>
+          <p:nvPr/>
+        </p:nvSpPr>
+        <p:spPr>
+          <a:xfrm>
+            <a:off x="11220733" y="14104041"/>
+            <a:ext cx="9708867" cy="5040971"/>
+          </a:xfrm>
+          <a:prstGeom prst="roundRect">
+            <a:avLst/>
+          </a:prstGeom>
+          <a:noFill/>
+          <a:ln w="25400">
+            <a:solidFill>
               <a:schemeClr val="tx1"/>
-            </a:fontRef>
-          </p:style>
-        </p:cxnSp>
-      </p:grpSp>
+            </a:solidFill>
+          </a:ln>
+        </p:spPr>
+        <p:style>
+          <a:lnRef idx="2">
+            <a:schemeClr val="accent1">
+              <a:shade val="50000"/>
+            </a:schemeClr>
+          </a:lnRef>
+          <a:fillRef idx="1">
+            <a:schemeClr val="accent1"/>
+          </a:fillRef>
+          <a:effectRef idx="0">
+            <a:schemeClr val="accent1"/>
+          </a:effectRef>
+          <a:fontRef idx="minor">
+            <a:schemeClr val="lt1"/>
+          </a:fontRef>
+        </p:style>
+        <p:txBody>
+          <a:bodyPr rtlCol="0" anchor="ctr"/>
+          <a:lstStyle/>
+          <a:p>
+            <a:endParaRPr lang="zh-CN" altLang="en-US" sz="4800"/>
+          </a:p>
+        </p:txBody>
+      </p:sp>
+      <p:sp>
+        <p:nvSpPr>
+          <p:cNvPr id="68" name="文本框 67"/>
+          <p:cNvSpPr txBox="1"/>
+          <p:nvPr/>
+        </p:nvSpPr>
+        <p:spPr>
+          <a:xfrm>
+            <a:off x="11663461" y="14316202"/>
+            <a:ext cx="9266139" cy="3877985"/>
+          </a:xfrm>
+          <a:prstGeom prst="rect">
+            <a:avLst/>
+          </a:prstGeom>
+          <a:noFill/>
+        </p:spPr>
+        <p:txBody>
+          <a:bodyPr wrap="square" rtlCol="0">
+            <a:spAutoFit/>
+          </a:bodyPr>
+          <a:lstStyle/>
+          <a:p>
+            <a:r>
+              <a:rPr lang="en-US" altLang="zh-CN" sz="5400" b="1"/>
+              <a:t>Perfusion model</a:t>
+            </a:r>
+          </a:p>
+          <a:p>
+            <a:pPr marL="342900" indent="-342900">
+              <a:buAutoNum type="arabicPeriod"/>
+            </a:pPr>
+            <a:r>
+              <a:rPr lang="en-US" altLang="zh-CN" sz="4800"/>
+              <a:t>Normal perfusion distribution</a:t>
+            </a:r>
+          </a:p>
+          <a:p>
+            <a:pPr marL="342900" indent="-342900">
+              <a:buAutoNum type="arabicPeriod"/>
+            </a:pPr>
+            <a:r>
+              <a:rPr lang="en-US" altLang="zh-CN" sz="4800"/>
+              <a:t>IPF perfusion distribution, with fibrosis areas narrowing vessel radius</a:t>
+            </a:r>
+            <a:endParaRPr lang="zh-CN" altLang="en-US" sz="4800"/>
+          </a:p>
+        </p:txBody>
+      </p:sp>
+      <p:sp>
+        <p:nvSpPr>
+          <p:cNvPr id="72" name="文本框 71"/>
+          <p:cNvSpPr txBox="1"/>
+          <p:nvPr/>
+        </p:nvSpPr>
+        <p:spPr>
+          <a:xfrm>
+            <a:off x="6251906" y="20308976"/>
+            <a:ext cx="9027745" cy="3877985"/>
+          </a:xfrm>
+          <a:prstGeom prst="rect">
+            <a:avLst/>
+          </a:prstGeom>
+          <a:noFill/>
+        </p:spPr>
+        <p:txBody>
+          <a:bodyPr wrap="square" rtlCol="0">
+            <a:spAutoFit/>
+          </a:bodyPr>
+          <a:lstStyle/>
+          <a:p>
+            <a:r>
+              <a:rPr lang="en-US" altLang="zh-CN" sz="5400" b="1" dirty="0"/>
+              <a:t>Gas exchange model</a:t>
+            </a:r>
+          </a:p>
+          <a:p>
+            <a:pPr marL="342900" indent="-342900">
+              <a:buAutoNum type="arabicPeriod"/>
+            </a:pPr>
+            <a:r>
+              <a:rPr lang="en-US" altLang="zh-CN" sz="4800" dirty="0"/>
+              <a:t>Gas exchange for both normal and IPF</a:t>
+            </a:r>
+          </a:p>
+          <a:p>
+            <a:pPr marL="342900" indent="-342900">
+              <a:buAutoNum type="arabicPeriod"/>
+            </a:pPr>
+            <a:r>
+              <a:rPr lang="en-US" altLang="zh-CN" sz="4800" dirty="0"/>
+              <a:t>V/Q ratio distribution analysis</a:t>
+            </a:r>
+          </a:p>
+          <a:p>
+            <a:pPr marL="342900" indent="-342900">
+              <a:buAutoNum type="arabicPeriod"/>
+            </a:pPr>
+            <a:r>
+              <a:rPr lang="en-US" altLang="zh-CN" sz="4800" dirty="0"/>
+              <a:t>PaO2 analysis</a:t>
+            </a:r>
+            <a:endParaRPr lang="zh-CN" altLang="en-US" sz="4800" dirty="0"/>
+          </a:p>
+        </p:txBody>
+      </p:sp>
+      <p:cxnSp>
+        <p:nvCxnSpPr>
+          <p:cNvPr id="11" name="直接箭头连接符 10"/>
+          <p:cNvCxnSpPr>
+            <a:stCxn id="61" idx="2"/>
+          </p:cNvCxnSpPr>
+          <p:nvPr/>
+        </p:nvCxnSpPr>
+        <p:spPr>
+          <a:xfrm flipH="1">
+            <a:off x="10888980" y="3735524"/>
+            <a:ext cx="6932" cy="874576"/>
+          </a:xfrm>
+          <a:prstGeom prst="straightConnector1">
+            <a:avLst/>
+          </a:prstGeom>
+          <a:ln w="50800">
+            <a:solidFill>
+              <a:schemeClr val="tx1"/>
+            </a:solidFill>
+            <a:tailEnd type="triangle"/>
+          </a:ln>
+        </p:spPr>
+        <p:style>
+          <a:lnRef idx="1">
+            <a:schemeClr val="accent1"/>
+          </a:lnRef>
+          <a:fillRef idx="0">
+            <a:schemeClr val="accent1"/>
+          </a:fillRef>
+          <a:effectRef idx="0">
+            <a:schemeClr val="accent1"/>
+          </a:effectRef>
+          <a:fontRef idx="minor">
+            <a:schemeClr val="tx1"/>
+          </a:fontRef>
+        </p:style>
+      </p:cxnSp>
+      <p:cxnSp>
+        <p:nvCxnSpPr>
+          <p:cNvPr id="73" name="直接箭头连接符 72"/>
+          <p:cNvCxnSpPr/>
+          <p:nvPr/>
+        </p:nvCxnSpPr>
+        <p:spPr>
+          <a:xfrm flipH="1">
+            <a:off x="6575124" y="13264216"/>
+            <a:ext cx="1082976" cy="833018"/>
+          </a:xfrm>
+          <a:prstGeom prst="straightConnector1">
+            <a:avLst/>
+          </a:prstGeom>
+          <a:ln w="50800">
+            <a:solidFill>
+              <a:schemeClr val="tx1"/>
+            </a:solidFill>
+            <a:tailEnd type="triangle"/>
+          </a:ln>
+        </p:spPr>
+        <p:style>
+          <a:lnRef idx="1">
+            <a:schemeClr val="accent1"/>
+          </a:lnRef>
+          <a:fillRef idx="0">
+            <a:schemeClr val="accent1"/>
+          </a:fillRef>
+          <a:effectRef idx="0">
+            <a:schemeClr val="accent1"/>
+          </a:effectRef>
+          <a:fontRef idx="minor">
+            <a:schemeClr val="tx1"/>
+          </a:fontRef>
+        </p:style>
+      </p:cxnSp>
+      <p:cxnSp>
+        <p:nvCxnSpPr>
+          <p:cNvPr id="74" name="直接箭头连接符 73"/>
+          <p:cNvCxnSpPr/>
+          <p:nvPr/>
+        </p:nvCxnSpPr>
+        <p:spPr>
+          <a:xfrm>
+            <a:off x="14147800" y="13247196"/>
+            <a:ext cx="914400" cy="837104"/>
+          </a:xfrm>
+          <a:prstGeom prst="straightConnector1">
+            <a:avLst/>
+          </a:prstGeom>
+          <a:ln w="50800">
+            <a:solidFill>
+              <a:schemeClr val="tx1"/>
+            </a:solidFill>
+            <a:tailEnd type="triangle"/>
+          </a:ln>
+        </p:spPr>
+        <p:style>
+          <a:lnRef idx="1">
+            <a:schemeClr val="accent1"/>
+          </a:lnRef>
+          <a:fillRef idx="0">
+            <a:schemeClr val="accent1"/>
+          </a:fillRef>
+          <a:effectRef idx="0">
+            <a:schemeClr val="accent1"/>
+          </a:effectRef>
+          <a:fontRef idx="minor">
+            <a:schemeClr val="tx1"/>
+          </a:fontRef>
+        </p:style>
+      </p:cxnSp>
+      <p:cxnSp>
+        <p:nvCxnSpPr>
+          <p:cNvPr id="78" name="直接箭头连接符 77"/>
+          <p:cNvCxnSpPr/>
+          <p:nvPr/>
+        </p:nvCxnSpPr>
+        <p:spPr>
+          <a:xfrm flipH="1">
+            <a:off x="13934261" y="19151710"/>
+            <a:ext cx="1270595" cy="874576"/>
+          </a:xfrm>
+          <a:prstGeom prst="straightConnector1">
+            <a:avLst/>
+          </a:prstGeom>
+          <a:ln w="50800">
+            <a:solidFill>
+              <a:schemeClr val="tx1"/>
+            </a:solidFill>
+            <a:tailEnd type="triangle"/>
+          </a:ln>
+        </p:spPr>
+        <p:style>
+          <a:lnRef idx="1">
+            <a:schemeClr val="accent1"/>
+          </a:lnRef>
+          <a:fillRef idx="0">
+            <a:schemeClr val="accent1"/>
+          </a:fillRef>
+          <a:effectRef idx="0">
+            <a:schemeClr val="accent1"/>
+          </a:effectRef>
+          <a:fontRef idx="minor">
+            <a:schemeClr val="tx1"/>
+          </a:fontRef>
+        </p:style>
+      </p:cxnSp>
+      <p:cxnSp>
+        <p:nvCxnSpPr>
+          <p:cNvPr id="80" name="直接箭头连接符 79"/>
+          <p:cNvCxnSpPr/>
+          <p:nvPr/>
+        </p:nvCxnSpPr>
+        <p:spPr>
+          <a:xfrm>
+            <a:off x="5981700" y="19075400"/>
+            <a:ext cx="1117600" cy="939800"/>
+          </a:xfrm>
+          <a:prstGeom prst="straightConnector1">
+            <a:avLst/>
+          </a:prstGeom>
+          <a:ln w="50800">
+            <a:solidFill>
+              <a:schemeClr val="tx1"/>
+            </a:solidFill>
+            <a:tailEnd type="triangle"/>
+          </a:ln>
+        </p:spPr>
+        <p:style>
+          <a:lnRef idx="1">
+            <a:schemeClr val="accent1"/>
+          </a:lnRef>
+          <a:fillRef idx="0">
+            <a:schemeClr val="accent1"/>
+          </a:fillRef>
+          <a:effectRef idx="0">
+            <a:schemeClr val="accent1"/>
+          </a:effectRef>
+          <a:fontRef idx="minor">
+            <a:schemeClr val="tx1"/>
+          </a:fontRef>
+        </p:style>
+      </p:cxnSp>
+      <p:cxnSp>
+        <p:nvCxnSpPr>
+          <p:cNvPr id="22" name="Straight Arrow Connector 21">
+            <a:extLst>
+              <a:ext uri="{FF2B5EF4-FFF2-40B4-BE49-F238E27FC236}">
+                <a16:creationId xmlns:a16="http://schemas.microsoft.com/office/drawing/2014/main" id="{F83E1FFD-780F-4212-B52E-D22D4CA20E55}"/>
+              </a:ext>
+            </a:extLst>
+          </p:cNvPr>
+          <p:cNvCxnSpPr>
+            <a:cxnSpLocks/>
+          </p:cNvCxnSpPr>
+          <p:nvPr/>
+        </p:nvCxnSpPr>
+        <p:spPr>
+          <a:xfrm flipV="1">
+            <a:off x="4361843" y="16308360"/>
+            <a:ext cx="1078523" cy="174"/>
+          </a:xfrm>
+          <a:prstGeom prst="straightConnector1">
+            <a:avLst/>
+          </a:prstGeom>
+          <a:ln w="47625">
+            <a:solidFill>
+              <a:schemeClr val="tx1"/>
+            </a:solidFill>
+            <a:tailEnd type="triangle"/>
+          </a:ln>
+        </p:spPr>
+        <p:style>
+          <a:lnRef idx="1">
+            <a:schemeClr val="accent1"/>
+          </a:lnRef>
+          <a:fillRef idx="0">
+            <a:schemeClr val="accent1"/>
+          </a:fillRef>
+          <a:effectRef idx="0">
+            <a:schemeClr val="accent1"/>
+          </a:effectRef>
+          <a:fontRef idx="minor">
+            <a:schemeClr val="tx1"/>
+          </a:fontRef>
+        </p:style>
+      </p:cxnSp>
+      <p:cxnSp>
+        <p:nvCxnSpPr>
+          <p:cNvPr id="26" name="Straight Arrow Connector 25">
+            <a:extLst>
+              <a:ext uri="{FF2B5EF4-FFF2-40B4-BE49-F238E27FC236}">
+                <a16:creationId xmlns:a16="http://schemas.microsoft.com/office/drawing/2014/main" id="{26DE0282-D73D-43B1-8771-8B166BDB41CB}"/>
+              </a:ext>
+            </a:extLst>
+          </p:cNvPr>
+          <p:cNvCxnSpPr>
+            <a:cxnSpLocks/>
+          </p:cNvCxnSpPr>
+          <p:nvPr/>
+        </p:nvCxnSpPr>
+        <p:spPr>
+          <a:xfrm flipV="1">
+            <a:off x="5154323" y="17769295"/>
+            <a:ext cx="1078523" cy="174"/>
+          </a:xfrm>
+          <a:prstGeom prst="straightConnector1">
+            <a:avLst/>
+          </a:prstGeom>
+          <a:ln w="47625">
+            <a:solidFill>
+              <a:schemeClr val="tx1"/>
+            </a:solidFill>
+            <a:tailEnd type="triangle"/>
+          </a:ln>
+        </p:spPr>
+        <p:style>
+          <a:lnRef idx="1">
+            <a:schemeClr val="accent1"/>
+          </a:lnRef>
+          <a:fillRef idx="0">
+            <a:schemeClr val="accent1"/>
+          </a:fillRef>
+          <a:effectRef idx="0">
+            <a:schemeClr val="accent1"/>
+          </a:effectRef>
+          <a:fontRef idx="minor">
+            <a:schemeClr val="tx1"/>
+          </a:fontRef>
+        </p:style>
+      </p:cxnSp>
     </p:spTree>
     <p:extLst>
       <p:ext uri="{BB962C8B-B14F-4D97-AF65-F5344CB8AC3E}">
@@ -3721,13 +3757,6 @@
   <p:clrMapOvr>
     <a:masterClrMapping/>
   </p:clrMapOvr>
-  <p:timing>
-    <p:tnLst>
-      <p:par>
-        <p:cTn id="1" dur="indefinite" restart="never" nodeType="tmRoot"/>
-      </p:par>
-    </p:tnLst>
-  </p:timing>
 </p:sld>
 </file>
 

--- a/ModelBasedAnalysis/Image/WholeWorkflow.pptx
+++ b/ModelBasedAnalysis/Image/WholeWorkflow.pptx
@@ -243,7 +243,7 @@
           <a:p>
             <a:fld id="{0877E658-E5F7-4D76-9220-E5348CB8540E}" type="datetimeFigureOut">
               <a:rPr lang="zh-CN" altLang="en-US" smtClean="0"/>
-              <a:t>2018/12/29</a:t>
+              <a:t>2019/6/18</a:t>
             </a:fld>
             <a:endParaRPr lang="zh-CN" altLang="en-US"/>
           </a:p>
@@ -413,7 +413,7 @@
           <a:p>
             <a:fld id="{0877E658-E5F7-4D76-9220-E5348CB8540E}" type="datetimeFigureOut">
               <a:rPr lang="zh-CN" altLang="en-US" smtClean="0"/>
-              <a:t>2018/12/29</a:t>
+              <a:t>2019/6/18</a:t>
             </a:fld>
             <a:endParaRPr lang="zh-CN" altLang="en-US"/>
           </a:p>
@@ -593,7 +593,7 @@
           <a:p>
             <a:fld id="{0877E658-E5F7-4D76-9220-E5348CB8540E}" type="datetimeFigureOut">
               <a:rPr lang="zh-CN" altLang="en-US" smtClean="0"/>
-              <a:t>2018/12/29</a:t>
+              <a:t>2019/6/18</a:t>
             </a:fld>
             <a:endParaRPr lang="zh-CN" altLang="en-US"/>
           </a:p>
@@ -763,7 +763,7 @@
           <a:p>
             <a:fld id="{0877E658-E5F7-4D76-9220-E5348CB8540E}" type="datetimeFigureOut">
               <a:rPr lang="zh-CN" altLang="en-US" smtClean="0"/>
-              <a:t>2018/12/29</a:t>
+              <a:t>2019/6/18</a:t>
             </a:fld>
             <a:endParaRPr lang="zh-CN" altLang="en-US"/>
           </a:p>
@@ -1007,7 +1007,7 @@
           <a:p>
             <a:fld id="{0877E658-E5F7-4D76-9220-E5348CB8540E}" type="datetimeFigureOut">
               <a:rPr lang="zh-CN" altLang="en-US" smtClean="0"/>
-              <a:t>2018/12/29</a:t>
+              <a:t>2019/6/18</a:t>
             </a:fld>
             <a:endParaRPr lang="zh-CN" altLang="en-US"/>
           </a:p>
@@ -1239,7 +1239,7 @@
           <a:p>
             <a:fld id="{0877E658-E5F7-4D76-9220-E5348CB8540E}" type="datetimeFigureOut">
               <a:rPr lang="zh-CN" altLang="en-US" smtClean="0"/>
-              <a:t>2018/12/29</a:t>
+              <a:t>2019/6/18</a:t>
             </a:fld>
             <a:endParaRPr lang="zh-CN" altLang="en-US"/>
           </a:p>
@@ -1606,7 +1606,7 @@
           <a:p>
             <a:fld id="{0877E658-E5F7-4D76-9220-E5348CB8540E}" type="datetimeFigureOut">
               <a:rPr lang="zh-CN" altLang="en-US" smtClean="0"/>
-              <a:t>2018/12/29</a:t>
+              <a:t>2019/6/18</a:t>
             </a:fld>
             <a:endParaRPr lang="zh-CN" altLang="en-US"/>
           </a:p>
@@ -1724,7 +1724,7 @@
           <a:p>
             <a:fld id="{0877E658-E5F7-4D76-9220-E5348CB8540E}" type="datetimeFigureOut">
               <a:rPr lang="zh-CN" altLang="en-US" smtClean="0"/>
-              <a:t>2018/12/29</a:t>
+              <a:t>2019/6/18</a:t>
             </a:fld>
             <a:endParaRPr lang="zh-CN" altLang="en-US"/>
           </a:p>
@@ -1819,7 +1819,7 @@
           <a:p>
             <a:fld id="{0877E658-E5F7-4D76-9220-E5348CB8540E}" type="datetimeFigureOut">
               <a:rPr lang="zh-CN" altLang="en-US" smtClean="0"/>
-              <a:t>2018/12/29</a:t>
+              <a:t>2019/6/18</a:t>
             </a:fld>
             <a:endParaRPr lang="zh-CN" altLang="en-US"/>
           </a:p>
@@ -2096,7 +2096,7 @@
           <a:p>
             <a:fld id="{0877E658-E5F7-4D76-9220-E5348CB8540E}" type="datetimeFigureOut">
               <a:rPr lang="zh-CN" altLang="en-US" smtClean="0"/>
-              <a:t>2018/12/29</a:t>
+              <a:t>2019/6/18</a:t>
             </a:fld>
             <a:endParaRPr lang="zh-CN" altLang="en-US"/>
           </a:p>
@@ -2353,7 +2353,7 @@
           <a:p>
             <a:fld id="{0877E658-E5F7-4D76-9220-E5348CB8540E}" type="datetimeFigureOut">
               <a:rPr lang="zh-CN" altLang="en-US" smtClean="0"/>
-              <a:t>2018/12/29</a:t>
+              <a:t>2019/6/18</a:t>
             </a:fld>
             <a:endParaRPr lang="zh-CN" altLang="en-US"/>
           </a:p>
@@ -2566,7 +2566,7 @@
           <a:p>
             <a:fld id="{0877E658-E5F7-4D76-9220-E5348CB8540E}" type="datetimeFigureOut">
               <a:rPr lang="zh-CN" altLang="en-US" smtClean="0"/>
-              <a:t>2018/12/29</a:t>
+              <a:t>2019/6/18</a:t>
             </a:fld>
             <a:endParaRPr lang="zh-CN" altLang="en-US"/>
           </a:p>
